--- a/Poster.pptx
+++ b/Poster.pptx
@@ -106,18 +106,13 @@
   </p:defaultTextStyle>
   <p:extLst>
     <p:ext uri="{EFAFB233-063F-42B5-8137-9DF3F51BA10A}">
-      <p15:sldGuideLst xmlns:p15="http://schemas.microsoft.com/office/powerpoint/2012/main">
-        <p15:guide id="1" orient="horz" pos="9576" userDrawn="1">
+      <p15:sldGuideLst xmlns:p15="http://schemas.microsoft.com/office/powerpoint/2012/main" xmlns="">
+        <p15:guide id="1" orient="horz" pos="6912" userDrawn="1">
           <p15:clr>
             <a:srgbClr val="A4A3A4"/>
           </p15:clr>
         </p15:guide>
-        <p15:guide id="2" pos="13824" userDrawn="1">
-          <p15:clr>
-            <a:srgbClr val="A4A3A4"/>
-          </p15:clr>
-        </p15:guide>
-        <p15:guide id="3" pos="6912" userDrawn="1">
+        <p15:guide id="2" pos="10368" userDrawn="1">
           <p15:clr>
             <a:srgbClr val="A4A3A4"/>
           </p15:clr>
@@ -259,7 +254,7 @@
           <a:p>
             <a:fld id="{687A4150-A100-A946-AD1F-05821EF144ED}" type="datetimeFigureOut">
               <a:rPr lang="en-US" smtClean="0"/>
-              <a:t>12/8/17</a:t>
+              <a:t>12/7/17</a:t>
             </a:fld>
             <a:endParaRPr lang="en-US"/>
           </a:p>
@@ -424,7 +419,7 @@
           <a:p>
             <a:fld id="{687A4150-A100-A946-AD1F-05821EF144ED}" type="datetimeFigureOut">
               <a:rPr lang="en-US" smtClean="0"/>
-              <a:t>12/8/17</a:t>
+              <a:t>12/7/17</a:t>
             </a:fld>
             <a:endParaRPr lang="en-US"/>
           </a:p>
@@ -599,7 +594,7 @@
           <a:p>
             <a:fld id="{687A4150-A100-A946-AD1F-05821EF144ED}" type="datetimeFigureOut">
               <a:rPr lang="en-US" smtClean="0"/>
-              <a:t>12/8/17</a:t>
+              <a:t>12/7/17</a:t>
             </a:fld>
             <a:endParaRPr lang="en-US"/>
           </a:p>
@@ -764,7 +759,7 @@
           <a:p>
             <a:fld id="{687A4150-A100-A946-AD1F-05821EF144ED}" type="datetimeFigureOut">
               <a:rPr lang="en-US" smtClean="0"/>
-              <a:t>12/8/17</a:t>
+              <a:t>12/7/17</a:t>
             </a:fld>
             <a:endParaRPr lang="en-US"/>
           </a:p>
@@ -1003,7 +998,7 @@
           <a:p>
             <a:fld id="{687A4150-A100-A946-AD1F-05821EF144ED}" type="datetimeFigureOut">
               <a:rPr lang="en-US" smtClean="0"/>
-              <a:t>12/8/17</a:t>
+              <a:t>12/7/17</a:t>
             </a:fld>
             <a:endParaRPr lang="en-US"/>
           </a:p>
@@ -1230,7 +1225,7 @@
           <a:p>
             <a:fld id="{687A4150-A100-A946-AD1F-05821EF144ED}" type="datetimeFigureOut">
               <a:rPr lang="en-US" smtClean="0"/>
-              <a:t>12/8/17</a:t>
+              <a:t>12/7/17</a:t>
             </a:fld>
             <a:endParaRPr lang="en-US"/>
           </a:p>
@@ -1592,7 +1587,7 @@
           <a:p>
             <a:fld id="{687A4150-A100-A946-AD1F-05821EF144ED}" type="datetimeFigureOut">
               <a:rPr lang="en-US" smtClean="0"/>
-              <a:t>12/8/17</a:t>
+              <a:t>12/7/17</a:t>
             </a:fld>
             <a:endParaRPr lang="en-US"/>
           </a:p>
@@ -1705,7 +1700,7 @@
           <a:p>
             <a:fld id="{687A4150-A100-A946-AD1F-05821EF144ED}" type="datetimeFigureOut">
               <a:rPr lang="en-US" smtClean="0"/>
-              <a:t>12/8/17</a:t>
+              <a:t>12/7/17</a:t>
             </a:fld>
             <a:endParaRPr lang="en-US"/>
           </a:p>
@@ -1795,7 +1790,7 @@
           <a:p>
             <a:fld id="{687A4150-A100-A946-AD1F-05821EF144ED}" type="datetimeFigureOut">
               <a:rPr lang="en-US" smtClean="0"/>
-              <a:t>12/8/17</a:t>
+              <a:t>12/7/17</a:t>
             </a:fld>
             <a:endParaRPr lang="en-US"/>
           </a:p>
@@ -2067,7 +2062,7 @@
           <a:p>
             <a:fld id="{687A4150-A100-A946-AD1F-05821EF144ED}" type="datetimeFigureOut">
               <a:rPr lang="en-US" smtClean="0"/>
-              <a:t>12/8/17</a:t>
+              <a:t>12/7/17</a:t>
             </a:fld>
             <a:endParaRPr lang="en-US"/>
           </a:p>
@@ -2319,7 +2314,7 @@
           <a:p>
             <a:fld id="{687A4150-A100-A946-AD1F-05821EF144ED}" type="datetimeFigureOut">
               <a:rPr lang="en-US" smtClean="0"/>
-              <a:t>12/8/17</a:t>
+              <a:t>12/7/17</a:t>
             </a:fld>
             <a:endParaRPr lang="en-US"/>
           </a:p>
@@ -2527,7 +2522,7 @@
           <a:p>
             <a:fld id="{687A4150-A100-A946-AD1F-05821EF144ED}" type="datetimeFigureOut">
               <a:rPr lang="en-US" smtClean="0"/>
-              <a:t>12/8/17</a:t>
+              <a:t>12/7/17</a:t>
             </a:fld>
             <a:endParaRPr lang="en-US"/>
           </a:p>
@@ -3127,7 +3122,15 @@
             </a:r>
             <a:r>
               <a:rPr lang="en-US" sz="1800" dirty="0" smtClean="0"/>
-              <a:t>2015 National Survey on Drug Use and Health, public use data set from SAMHDA</a:t>
+              <a:t>2015 </a:t>
+            </a:r>
+            <a:r>
+              <a:rPr lang="en-US" sz="1800" dirty="0" smtClean="0"/>
+              <a:t>National Survey on Drug Use and Health, public use data set from </a:t>
+            </a:r>
+            <a:r>
+              <a:rPr lang="en-US" sz="1800" dirty="0" smtClean="0"/>
+              <a:t>SAMHDA</a:t>
             </a:r>
           </a:p>
           <a:p>
@@ -3189,6 +3192,7 @@
               <a:rPr lang="en-US" sz="1800" dirty="0"/>
               <a:t>, S28-40</a:t>
             </a:r>
+            <a:endParaRPr lang="en-US" sz="1800" dirty="0"/>
           </a:p>
         </p:txBody>
       </p:sp>
@@ -3222,6 +3226,7 @@
               <a:rPr lang="en-US" sz="3800" b="1" u="sng" dirty="0" smtClean="0"/>
               <a:t>Background:</a:t>
             </a:r>
+            <a:endParaRPr lang="en-US" sz="3800" b="1" u="sng" dirty="0" smtClean="0"/>
           </a:p>
           <a:p>
             <a:pPr algn="just"/>
@@ -3321,15 +3326,19 @@
             </a:pPr>
             <a:r>
               <a:rPr lang="en-US" sz="3000" dirty="0" smtClean="0"/>
-              <a:t>Created a new variable to form subgroups of sample named “</a:t>
-            </a:r>
-            <a:r>
-              <a:rPr lang="en-US" sz="3000" dirty="0" err="1" smtClean="0"/>
+              <a:t>Created a new nominal variable named “</a:t>
+            </a:r>
+            <a:r>
+              <a:rPr lang="en-US" sz="3000" dirty="0" err="1"/>
               <a:t>treated_sober</a:t>
             </a:r>
             <a:r>
+              <a:rPr lang="en-US" sz="3000" dirty="0"/>
+              <a:t>” </a:t>
+            </a:r>
+            <a:r>
               <a:rPr lang="en-US" sz="3000" dirty="0" smtClean="0"/>
-              <a:t>”.</a:t>
+              <a:t>to form three subgroups of sample.</a:t>
             </a:r>
           </a:p>
           <a:p>
@@ -3343,7 +3352,7 @@
             </a:r>
             <a:r>
               <a:rPr lang="en-US" sz="3000" dirty="0" smtClean="0"/>
-              <a:t> = has not been treated for SUD.</a:t>
+              <a:t> = has not received addiction treatment.</a:t>
             </a:r>
           </a:p>
           <a:p>
@@ -3352,16 +3361,12 @@
               <a:buChar char="•"/>
             </a:pPr>
             <a:r>
-              <a:rPr lang="en-US" sz="3000" dirty="0" err="1"/>
-              <a:t>t</a:t>
-            </a:r>
-            <a:r>
               <a:rPr lang="en-US" sz="3000" dirty="0" err="1" smtClean="0"/>
-              <a:t>reated_drinking</a:t>
+              <a:t>treated_drinking</a:t>
             </a:r>
             <a:r>
               <a:rPr lang="en-US" sz="3000" dirty="0" smtClean="0"/>
-              <a:t> = received treatment and has drank in past year.</a:t>
+              <a:t> = received treatment and has drank in the past year.</a:t>
             </a:r>
           </a:p>
           <a:p>
@@ -3389,7 +3394,7 @@
             </a:pPr>
             <a:r>
               <a:rPr lang="en-US" sz="3000" dirty="0" smtClean="0"/>
-              <a:t>Calculated the proportions based off of the population within each subgroup to compare SES profiles of the three subgroups.</a:t>
+              <a:t>Calculated the proportions based off of the population within each subgroup to compare SES profiles across the three subgroups.</a:t>
             </a:r>
           </a:p>
           <a:p>
@@ -3412,8 +3417,8 @@
         </p:nvSpPr>
         <p:spPr>
           <a:xfrm>
-            <a:off x="22402524" y="15484816"/>
-            <a:ext cx="9688347" cy="4370427"/>
+            <a:off x="22402524" y="15428785"/>
+            <a:ext cx="9688347" cy="4832092"/>
           </a:xfrm>
           <a:prstGeom prst="rect">
             <a:avLst/>
@@ -3429,8 +3434,13 @@
             <a:pPr algn="just"/>
             <a:r>
               <a:rPr lang="en-US" sz="3800" b="1" u="sng" dirty="0" smtClean="0"/>
-              <a:t>Limitations:</a:t>
-            </a:r>
+              <a:t>Limitations</a:t>
+            </a:r>
+            <a:r>
+              <a:rPr lang="en-US" sz="3800" b="1" u="sng" dirty="0" smtClean="0"/>
+              <a:t>:</a:t>
+            </a:r>
+            <a:endParaRPr lang="en-US" sz="3800" b="1" u="sng" dirty="0" smtClean="0"/>
           </a:p>
           <a:p>
             <a:pPr marL="457200" indent="-457200" algn="just">
@@ -3439,7 +3449,7 @@
             </a:pPr>
             <a:r>
               <a:rPr lang="en-US" sz="3000" dirty="0" smtClean="0"/>
-              <a:t>Positive treatment outcome defined as abstaining from alcohol for 12 months and fails to capture reduction in consumption or consequences. </a:t>
+              <a:t>Fails to answer research question. </a:t>
             </a:r>
           </a:p>
           <a:p>
@@ -3448,14 +3458,9 @@
               <a:buChar char="§"/>
             </a:pPr>
             <a:r>
-              <a:rPr lang="en-US" sz="3000" dirty="0"/>
-              <a:t>Treatment </a:t>
-            </a:r>
-            <a:r>
               <a:rPr lang="en-US" sz="3000" dirty="0" smtClean="0"/>
-              <a:t>for drugs or alcohol while the outcome is measured by abstinence from alcohol. </a:t>
-            </a:r>
-            <a:endParaRPr lang="en-US" sz="3000" dirty="0"/>
+              <a:t>Positive treatment outcome defined as abstaining from alcohol for 12 months which fails to capture reduction in either consumption or consequences. </a:t>
+            </a:r>
           </a:p>
           <a:p>
             <a:pPr marL="457200" indent="-457200" algn="just">
@@ -3463,8 +3468,35 @@
               <a:buChar char="§"/>
             </a:pPr>
             <a:r>
+              <a:rPr lang="en-US" sz="3000" dirty="0"/>
+              <a:t>Treatment </a:t>
+            </a:r>
+            <a:r>
               <a:rPr lang="en-US" sz="3000" dirty="0" smtClean="0"/>
-              <a:t>Measures of SES have upper limits of $75k and undergraduate degree. </a:t>
+              <a:t>could be for drugs or alcohol while the outcome is measured by abstinence from alcohol. </a:t>
+            </a:r>
+            <a:endParaRPr lang="en-US" sz="3000" dirty="0"/>
+          </a:p>
+          <a:p>
+            <a:pPr marL="457200" indent="-457200" algn="just">
+              <a:buFont typeface="Wingdings" charset="2"/>
+              <a:buChar char="§"/>
+            </a:pPr>
+            <a:r>
+              <a:rPr lang="en-US" sz="3000" dirty="0"/>
+              <a:t>H</a:t>
+            </a:r>
+            <a:r>
+              <a:rPr lang="en-US" sz="3000" dirty="0" smtClean="0"/>
+              <a:t>ousehold </a:t>
+            </a:r>
+            <a:r>
+              <a:rPr lang="en-US" sz="3000" dirty="0"/>
+              <a:t>makeup </a:t>
+            </a:r>
+            <a:r>
+              <a:rPr lang="en-US" sz="3000" dirty="0" smtClean="0"/>
+              <a:t>omitted and measures of SES have upper limits of $75k and undergraduate degree. </a:t>
             </a:r>
           </a:p>
           <a:p>
@@ -3505,7 +3537,11 @@
             <a:pPr algn="just"/>
             <a:r>
               <a:rPr lang="en-US" sz="3800" b="1" u="sng" dirty="0" smtClean="0"/>
-              <a:t>Findings:</a:t>
+              <a:t>Findings</a:t>
+            </a:r>
+            <a:r>
+              <a:rPr lang="en-US" sz="3800" b="1" u="sng" dirty="0" smtClean="0"/>
+              <a:t>:</a:t>
             </a:r>
           </a:p>
           <a:p>
@@ -3519,7 +3555,7 @@
             </a:r>
             <a:r>
               <a:rPr lang="en-US" sz="3000" dirty="0" smtClean="0"/>
-              <a:t> and family income</a:t>
+              <a:t> and family income:</a:t>
             </a:r>
           </a:p>
           <a:p>
@@ -3552,7 +3588,7 @@
             </a:r>
             <a:r>
               <a:rPr lang="en-US" sz="3000" dirty="0" smtClean="0"/>
-              <a:t> and family income</a:t>
+              <a:t> education level:</a:t>
             </a:r>
           </a:p>
           <a:p>
@@ -3888,7 +3924,7 @@
   <a:extraClrSchemeLst/>
   <a:extLst>
     <a:ext uri="{05A4C25C-085E-4340-85A3-A5531E510DB2}">
-      <thm15:themeFamily xmlns:thm15="http://schemas.microsoft.com/office/thememl/2012/main" name="Office Theme" id="{62F939B6-93AF-4DB8-9C6B-D6C7DFDC589F}" vid="{4A3C46E8-61CC-4603-A589-7422A47A8E4A}"/>
+      <thm15:themeFamily xmlns:thm15="http://schemas.microsoft.com/office/thememl/2012/main" xmlns="" name="Office Theme" id="{62F939B6-93AF-4DB8-9C6B-D6C7DFDC589F}" vid="{4A3C46E8-61CC-4603-A589-7422A47A8E4A}"/>
     </a:ext>
   </a:extLst>
 </a:theme>
